--- a/03-h-Mn/Pictures/SpinStructEv2.pptx
+++ b/03-h-Mn/Pictures/SpinStructEv2.pptx
@@ -288,7 +288,7 @@
           <a:p>
             <a:fld id="{E33565EF-4A01-45A7-A583-43ECF94838BA}" type="datetimeFigureOut">
               <a:rPr lang="fr-FR" smtClean="0"/>
-              <a:t>12/07/2017</a:t>
+              <a:t>13/07/2017</a:t>
             </a:fld>
             <a:endParaRPr lang="fr-FR"/>
           </a:p>
@@ -458,7 +458,7 @@
           <a:p>
             <a:fld id="{E33565EF-4A01-45A7-A583-43ECF94838BA}" type="datetimeFigureOut">
               <a:rPr lang="fr-FR" smtClean="0"/>
-              <a:t>12/07/2017</a:t>
+              <a:t>13/07/2017</a:t>
             </a:fld>
             <a:endParaRPr lang="fr-FR"/>
           </a:p>
@@ -638,7 +638,7 @@
           <a:p>
             <a:fld id="{E33565EF-4A01-45A7-A583-43ECF94838BA}" type="datetimeFigureOut">
               <a:rPr lang="fr-FR" smtClean="0"/>
-              <a:t>12/07/2017</a:t>
+              <a:t>13/07/2017</a:t>
             </a:fld>
             <a:endParaRPr lang="fr-FR"/>
           </a:p>
@@ -808,7 +808,7 @@
           <a:p>
             <a:fld id="{E33565EF-4A01-45A7-A583-43ECF94838BA}" type="datetimeFigureOut">
               <a:rPr lang="fr-FR" smtClean="0"/>
-              <a:t>12/07/2017</a:t>
+              <a:t>13/07/2017</a:t>
             </a:fld>
             <a:endParaRPr lang="fr-FR"/>
           </a:p>
@@ -1054,7 +1054,7 @@
           <a:p>
             <a:fld id="{E33565EF-4A01-45A7-A583-43ECF94838BA}" type="datetimeFigureOut">
               <a:rPr lang="fr-FR" smtClean="0"/>
-              <a:t>12/07/2017</a:t>
+              <a:t>13/07/2017</a:t>
             </a:fld>
             <a:endParaRPr lang="fr-FR"/>
           </a:p>
@@ -1342,7 +1342,7 @@
           <a:p>
             <a:fld id="{E33565EF-4A01-45A7-A583-43ECF94838BA}" type="datetimeFigureOut">
               <a:rPr lang="fr-FR" smtClean="0"/>
-              <a:t>12/07/2017</a:t>
+              <a:t>13/07/2017</a:t>
             </a:fld>
             <a:endParaRPr lang="fr-FR"/>
           </a:p>
@@ -1764,7 +1764,7 @@
           <a:p>
             <a:fld id="{E33565EF-4A01-45A7-A583-43ECF94838BA}" type="datetimeFigureOut">
               <a:rPr lang="fr-FR" smtClean="0"/>
-              <a:t>12/07/2017</a:t>
+              <a:t>13/07/2017</a:t>
             </a:fld>
             <a:endParaRPr lang="fr-FR"/>
           </a:p>
@@ -1882,7 +1882,7 @@
           <a:p>
             <a:fld id="{E33565EF-4A01-45A7-A583-43ECF94838BA}" type="datetimeFigureOut">
               <a:rPr lang="fr-FR" smtClean="0"/>
-              <a:t>12/07/2017</a:t>
+              <a:t>13/07/2017</a:t>
             </a:fld>
             <a:endParaRPr lang="fr-FR"/>
           </a:p>
@@ -1977,7 +1977,7 @@
           <a:p>
             <a:fld id="{E33565EF-4A01-45A7-A583-43ECF94838BA}" type="datetimeFigureOut">
               <a:rPr lang="fr-FR" smtClean="0"/>
-              <a:t>12/07/2017</a:t>
+              <a:t>13/07/2017</a:t>
             </a:fld>
             <a:endParaRPr lang="fr-FR"/>
           </a:p>
@@ -2254,7 +2254,7 @@
           <a:p>
             <a:fld id="{E33565EF-4A01-45A7-A583-43ECF94838BA}" type="datetimeFigureOut">
               <a:rPr lang="fr-FR" smtClean="0"/>
-              <a:t>12/07/2017</a:t>
+              <a:t>13/07/2017</a:t>
             </a:fld>
             <a:endParaRPr lang="fr-FR"/>
           </a:p>
@@ -2507,7 +2507,7 @@
           <a:p>
             <a:fld id="{E33565EF-4A01-45A7-A583-43ECF94838BA}" type="datetimeFigureOut">
               <a:rPr lang="fr-FR" smtClean="0"/>
-              <a:t>12/07/2017</a:t>
+              <a:t>13/07/2017</a:t>
             </a:fld>
             <a:endParaRPr lang="fr-FR"/>
           </a:p>
@@ -2720,7 +2720,7 @@
           <a:p>
             <a:fld id="{E33565EF-4A01-45A7-A583-43ECF94838BA}" type="datetimeFigureOut">
               <a:rPr lang="fr-FR" smtClean="0"/>
-              <a:t>12/07/2017</a:t>
+              <a:t>13/07/2017</a:t>
             </a:fld>
             <a:endParaRPr lang="fr-FR"/>
           </a:p>
@@ -6054,13 +6054,13 @@
                 <a:t>S</a:t>
               </a:r>
               <a:r>
-                <a:rPr lang="en-US" sz="1800" b="1" i="1" baseline="-25000" dirty="0">
+                <a:rPr lang="en-US" sz="1800" b="1" i="1" baseline="-25000" dirty="0" smtClean="0">
                   <a:solidFill>
                     <a:srgbClr val="009900"/>
                   </a:solidFill>
                   <a:latin typeface="Monotype Corsiva" panose="03010101010201010101" pitchFamily="66" charset="0"/>
                 </a:rPr>
-                <a:t>y</a:t>
+                <a:t>x</a:t>
               </a:r>
               <a:r>
                 <a:rPr lang="en-US" sz="1800" b="1" baseline="30000" dirty="0" smtClean="0">
@@ -6105,7 +6105,7 @@
                   </a:solidFill>
                   <a:latin typeface="Monotype Corsiva" panose="03010101010201010101" pitchFamily="66" charset="0"/>
                 </a:rPr>
-                <a:t>x</a:t>
+                <a:t>y</a:t>
               </a:r>
               <a:r>
                 <a:rPr lang="en-US" sz="1800" b="1" baseline="30000" dirty="0" smtClean="0">
